--- a/#5 Others/Image_Editor_4_M&P.pptx
+++ b/#5 Others/Image_Editor_4_M&P.pptx
@@ -259,7 +259,7 @@
           <a:p>
             <a:fld id="{794BAA1E-6A90-4BDB-850A-6885A4ED65C9}" type="datetimeFigureOut">
               <a:rPr lang="en-US" smtClean="0"/>
-              <a:t>9/25/2020</a:t>
+              <a:t>11/25/2020</a:t>
             </a:fld>
             <a:endParaRPr lang="en-US"/>
           </a:p>
@@ -457,7 +457,7 @@
           <a:p>
             <a:fld id="{794BAA1E-6A90-4BDB-850A-6885A4ED65C9}" type="datetimeFigureOut">
               <a:rPr lang="en-US" smtClean="0"/>
-              <a:t>9/25/2020</a:t>
+              <a:t>11/25/2020</a:t>
             </a:fld>
             <a:endParaRPr lang="en-US"/>
           </a:p>
@@ -665,7 +665,7 @@
           <a:p>
             <a:fld id="{794BAA1E-6A90-4BDB-850A-6885A4ED65C9}" type="datetimeFigureOut">
               <a:rPr lang="en-US" smtClean="0"/>
-              <a:t>9/25/2020</a:t>
+              <a:t>11/25/2020</a:t>
             </a:fld>
             <a:endParaRPr lang="en-US"/>
           </a:p>
@@ -863,7 +863,7 @@
           <a:p>
             <a:fld id="{794BAA1E-6A90-4BDB-850A-6885A4ED65C9}" type="datetimeFigureOut">
               <a:rPr lang="en-US" smtClean="0"/>
-              <a:t>9/25/2020</a:t>
+              <a:t>11/25/2020</a:t>
             </a:fld>
             <a:endParaRPr lang="en-US"/>
           </a:p>
@@ -1138,7 +1138,7 @@
           <a:p>
             <a:fld id="{794BAA1E-6A90-4BDB-850A-6885A4ED65C9}" type="datetimeFigureOut">
               <a:rPr lang="en-US" smtClean="0"/>
-              <a:t>9/25/2020</a:t>
+              <a:t>11/25/2020</a:t>
             </a:fld>
             <a:endParaRPr lang="en-US"/>
           </a:p>
@@ -1403,7 +1403,7 @@
           <a:p>
             <a:fld id="{794BAA1E-6A90-4BDB-850A-6885A4ED65C9}" type="datetimeFigureOut">
               <a:rPr lang="en-US" smtClean="0"/>
-              <a:t>9/25/2020</a:t>
+              <a:t>11/25/2020</a:t>
             </a:fld>
             <a:endParaRPr lang="en-US"/>
           </a:p>
@@ -1815,7 +1815,7 @@
           <a:p>
             <a:fld id="{794BAA1E-6A90-4BDB-850A-6885A4ED65C9}" type="datetimeFigureOut">
               <a:rPr lang="en-US" smtClean="0"/>
-              <a:t>9/25/2020</a:t>
+              <a:t>11/25/2020</a:t>
             </a:fld>
             <a:endParaRPr lang="en-US"/>
           </a:p>
@@ -1956,7 +1956,7 @@
           <a:p>
             <a:fld id="{794BAA1E-6A90-4BDB-850A-6885A4ED65C9}" type="datetimeFigureOut">
               <a:rPr lang="en-US" smtClean="0"/>
-              <a:t>9/25/2020</a:t>
+              <a:t>11/25/2020</a:t>
             </a:fld>
             <a:endParaRPr lang="en-US"/>
           </a:p>
@@ -2069,7 +2069,7 @@
           <a:p>
             <a:fld id="{794BAA1E-6A90-4BDB-850A-6885A4ED65C9}" type="datetimeFigureOut">
               <a:rPr lang="en-US" smtClean="0"/>
-              <a:t>9/25/2020</a:t>
+              <a:t>11/25/2020</a:t>
             </a:fld>
             <a:endParaRPr lang="en-US"/>
           </a:p>
@@ -2380,7 +2380,7 @@
           <a:p>
             <a:fld id="{794BAA1E-6A90-4BDB-850A-6885A4ED65C9}" type="datetimeFigureOut">
               <a:rPr lang="en-US" smtClean="0"/>
-              <a:t>9/25/2020</a:t>
+              <a:t>11/25/2020</a:t>
             </a:fld>
             <a:endParaRPr lang="en-US"/>
           </a:p>
@@ -2668,7 +2668,7 @@
           <a:p>
             <a:fld id="{794BAA1E-6A90-4BDB-850A-6885A4ED65C9}" type="datetimeFigureOut">
               <a:rPr lang="en-US" smtClean="0"/>
-              <a:t>9/25/2020</a:t>
+              <a:t>11/25/2020</a:t>
             </a:fld>
             <a:endParaRPr lang="en-US"/>
           </a:p>
@@ -2909,7 +2909,7 @@
           <a:p>
             <a:fld id="{794BAA1E-6A90-4BDB-850A-6885A4ED65C9}" type="datetimeFigureOut">
               <a:rPr lang="en-US" smtClean="0"/>
-              <a:t>9/25/2020</a:t>
+              <a:t>11/25/2020</a:t>
             </a:fld>
             <a:endParaRPr lang="en-US"/>
           </a:p>
@@ -3340,7 +3340,7 @@
         </p:nvGrpSpPr>
         <p:grpSpPr>
           <a:xfrm>
-            <a:off x="916911" y="2435824"/>
+            <a:off x="860640" y="860242"/>
             <a:ext cx="10069957" cy="2230312"/>
             <a:chOff x="916911" y="2435824"/>
             <a:chExt cx="10069957" cy="2230312"/>
@@ -3493,6 +3493,42 @@
           </p:spPr>
         </p:pic>
       </p:grpSp>
+      <p:pic>
+        <p:nvPicPr>
+          <p:cNvPr id="4" name="Picture 3">
+            <a:extLst>
+              <a:ext uri="{FF2B5EF4-FFF2-40B4-BE49-F238E27FC236}">
+                <a16:creationId xmlns:a16="http://schemas.microsoft.com/office/drawing/2014/main" id="{20DCBAF8-4C3E-49ED-95F4-DE2B582B58BA}"/>
+              </a:ext>
+            </a:extLst>
+          </p:cNvPr>
+          <p:cNvPicPr>
+            <a:picLocks noChangeAspect="1"/>
+          </p:cNvPicPr>
+          <p:nvPr/>
+        </p:nvPicPr>
+        <p:blipFill>
+          <a:blip r:embed="rId7">
+            <a:extLst>
+              <a:ext uri="{28A0092B-C50C-407E-A947-70E740481C1C}">
+                <a14:useLocalDpi xmlns:a14="http://schemas.microsoft.com/office/drawing/2010/main" val="0"/>
+              </a:ext>
+            </a:extLst>
+          </a:blip>
+          <a:stretch>
+            <a:fillRect/>
+          </a:stretch>
+        </p:blipFill>
+        <p:spPr>
+          <a:xfrm>
+            <a:off x="1397390" y="3674443"/>
+            <a:ext cx="2654105" cy="2510341"/>
+          </a:xfrm>
+          <a:prstGeom prst="rect">
+            <a:avLst/>
+          </a:prstGeom>
+        </p:spPr>
+      </p:pic>
     </p:spTree>
     <p:extLst>
       <p:ext uri="{BB962C8B-B14F-4D97-AF65-F5344CB8AC3E}">

--- a/#5 Others/Image_Editor_4_M&P.pptx
+++ b/#5 Others/Image_Editor_4_M&P.pptx
@@ -3521,8 +3521,8 @@
         </p:blipFill>
         <p:spPr>
           <a:xfrm>
-            <a:off x="1397390" y="3674443"/>
-            <a:ext cx="2654105" cy="2510341"/>
+            <a:off x="1397391" y="3674443"/>
+            <a:ext cx="1157186" cy="1094505"/>
           </a:xfrm>
           <a:prstGeom prst="rect">
             <a:avLst/>

--- a/#5 Others/Image_Editor_4_M&P.pptx
+++ b/#5 Others/Image_Editor_4_M&P.pptx
@@ -3521,7 +3521,7 @@
         </p:blipFill>
         <p:spPr>
           <a:xfrm>
-            <a:off x="1397391" y="3674443"/>
+            <a:off x="2456067" y="3688510"/>
             <a:ext cx="1157186" cy="1094505"/>
           </a:xfrm>
           <a:prstGeom prst="rect">

--- a/#5 Others/Image_Editor_4_M&P.pptx
+++ b/#5 Others/Image_Editor_4_M&P.pptx
@@ -3495,10 +3495,10 @@
       </p:grpSp>
       <p:pic>
         <p:nvPicPr>
-          <p:cNvPr id="4" name="Picture 3">
-            <a:extLst>
-              <a:ext uri="{FF2B5EF4-FFF2-40B4-BE49-F238E27FC236}">
-                <a16:creationId xmlns:a16="http://schemas.microsoft.com/office/drawing/2014/main" id="{20DCBAF8-4C3E-49ED-95F4-DE2B582B58BA}"/>
+          <p:cNvPr id="6" name="Picture 5">
+            <a:extLst>
+              <a:ext uri="{FF2B5EF4-FFF2-40B4-BE49-F238E27FC236}">
+                <a16:creationId xmlns:a16="http://schemas.microsoft.com/office/drawing/2014/main" id="{D46D5856-CE4B-4B61-B38B-CC77DDD53296}"/>
               </a:ext>
             </a:extLst>
           </p:cNvPr>
@@ -3507,7 +3507,7 @@
           </p:cNvPicPr>
           <p:nvPr/>
         </p:nvPicPr>
-        <p:blipFill>
+        <p:blipFill rotWithShape="1">
           <a:blip r:embed="rId7">
             <a:extLst>
               <a:ext uri="{28A0092B-C50C-407E-A947-70E740481C1C}">
@@ -3515,14 +3515,13 @@
               </a:ext>
             </a:extLst>
           </a:blip>
-          <a:stretch>
-            <a:fillRect/>
-          </a:stretch>
+          <a:srcRect l="4098" t="5222" r="4255" b="9936"/>
+          <a:stretch/>
         </p:blipFill>
         <p:spPr>
           <a:xfrm>
-            <a:off x="2456067" y="3688510"/>
-            <a:ext cx="1157186" cy="1094505"/>
+            <a:off x="3366867" y="2574389"/>
+            <a:ext cx="5458265" cy="3165230"/>
           </a:xfrm>
           <a:prstGeom prst="rect">
             <a:avLst/>

--- a/#5 Others/Image_Editor_4_M&P.pptx
+++ b/#5 Others/Image_Editor_4_M&P.pptx
@@ -259,7 +259,7 @@
           <a:p>
             <a:fld id="{794BAA1E-6A90-4BDB-850A-6885A4ED65C9}" type="datetimeFigureOut">
               <a:rPr lang="en-US" smtClean="0"/>
-              <a:t>11/25/2020</a:t>
+              <a:t>12/1/2020</a:t>
             </a:fld>
             <a:endParaRPr lang="en-US"/>
           </a:p>
@@ -457,7 +457,7 @@
           <a:p>
             <a:fld id="{794BAA1E-6A90-4BDB-850A-6885A4ED65C9}" type="datetimeFigureOut">
               <a:rPr lang="en-US" smtClean="0"/>
-              <a:t>11/25/2020</a:t>
+              <a:t>12/1/2020</a:t>
             </a:fld>
             <a:endParaRPr lang="en-US"/>
           </a:p>
@@ -665,7 +665,7 @@
           <a:p>
             <a:fld id="{794BAA1E-6A90-4BDB-850A-6885A4ED65C9}" type="datetimeFigureOut">
               <a:rPr lang="en-US" smtClean="0"/>
-              <a:t>11/25/2020</a:t>
+              <a:t>12/1/2020</a:t>
             </a:fld>
             <a:endParaRPr lang="en-US"/>
           </a:p>
@@ -863,7 +863,7 @@
           <a:p>
             <a:fld id="{794BAA1E-6A90-4BDB-850A-6885A4ED65C9}" type="datetimeFigureOut">
               <a:rPr lang="en-US" smtClean="0"/>
-              <a:t>11/25/2020</a:t>
+              <a:t>12/1/2020</a:t>
             </a:fld>
             <a:endParaRPr lang="en-US"/>
           </a:p>
@@ -1138,7 +1138,7 @@
           <a:p>
             <a:fld id="{794BAA1E-6A90-4BDB-850A-6885A4ED65C9}" type="datetimeFigureOut">
               <a:rPr lang="en-US" smtClean="0"/>
-              <a:t>11/25/2020</a:t>
+              <a:t>12/1/2020</a:t>
             </a:fld>
             <a:endParaRPr lang="en-US"/>
           </a:p>
@@ -1403,7 +1403,7 @@
           <a:p>
             <a:fld id="{794BAA1E-6A90-4BDB-850A-6885A4ED65C9}" type="datetimeFigureOut">
               <a:rPr lang="en-US" smtClean="0"/>
-              <a:t>11/25/2020</a:t>
+              <a:t>12/1/2020</a:t>
             </a:fld>
             <a:endParaRPr lang="en-US"/>
           </a:p>
@@ -1815,7 +1815,7 @@
           <a:p>
             <a:fld id="{794BAA1E-6A90-4BDB-850A-6885A4ED65C9}" type="datetimeFigureOut">
               <a:rPr lang="en-US" smtClean="0"/>
-              <a:t>11/25/2020</a:t>
+              <a:t>12/1/2020</a:t>
             </a:fld>
             <a:endParaRPr lang="en-US"/>
           </a:p>
@@ -1956,7 +1956,7 @@
           <a:p>
             <a:fld id="{794BAA1E-6A90-4BDB-850A-6885A4ED65C9}" type="datetimeFigureOut">
               <a:rPr lang="en-US" smtClean="0"/>
-              <a:t>11/25/2020</a:t>
+              <a:t>12/1/2020</a:t>
             </a:fld>
             <a:endParaRPr lang="en-US"/>
           </a:p>
@@ -2069,7 +2069,7 @@
           <a:p>
             <a:fld id="{794BAA1E-6A90-4BDB-850A-6885A4ED65C9}" type="datetimeFigureOut">
               <a:rPr lang="en-US" smtClean="0"/>
-              <a:t>11/25/2020</a:t>
+              <a:t>12/1/2020</a:t>
             </a:fld>
             <a:endParaRPr lang="en-US"/>
           </a:p>
@@ -2380,7 +2380,7 @@
           <a:p>
             <a:fld id="{794BAA1E-6A90-4BDB-850A-6885A4ED65C9}" type="datetimeFigureOut">
               <a:rPr lang="en-US" smtClean="0"/>
-              <a:t>11/25/2020</a:t>
+              <a:t>12/1/2020</a:t>
             </a:fld>
             <a:endParaRPr lang="en-US"/>
           </a:p>
@@ -2668,7 +2668,7 @@
           <a:p>
             <a:fld id="{794BAA1E-6A90-4BDB-850A-6885A4ED65C9}" type="datetimeFigureOut">
               <a:rPr lang="en-US" smtClean="0"/>
-              <a:t>11/25/2020</a:t>
+              <a:t>12/1/2020</a:t>
             </a:fld>
             <a:endParaRPr lang="en-US"/>
           </a:p>
@@ -2909,7 +2909,7 @@
           <a:p>
             <a:fld id="{794BAA1E-6A90-4BDB-850A-6885A4ED65C9}" type="datetimeFigureOut">
               <a:rPr lang="en-US" smtClean="0"/>
-              <a:t>11/25/2020</a:t>
+              <a:t>12/1/2020</a:t>
             </a:fld>
             <a:endParaRPr lang="en-US"/>
           </a:p>
@@ -3520,7 +3520,7 @@
         </p:blipFill>
         <p:spPr>
           <a:xfrm>
-            <a:off x="3366867" y="2574389"/>
+            <a:off x="3366867" y="3467686"/>
             <a:ext cx="5458265" cy="3165230"/>
           </a:xfrm>
           <a:prstGeom prst="rect">
